--- a/_posts/spider/细说垂直型网络爬虫2.pptx
+++ b/_posts/spider/细说垂直型网络爬虫2.pptx
@@ -5,10 +5,10 @@
     <p:sldMasterId id="2147483648" r:id="rId1"/>
   </p:sldMasterIdLst>
   <p:notesMasterIdLst>
-    <p:notesMasterId r:id="rId23"/>
+    <p:notesMasterId r:id="rId24"/>
   </p:notesMasterIdLst>
   <p:handoutMasterIdLst>
-    <p:handoutMasterId r:id="rId24"/>
+    <p:handoutMasterId r:id="rId25"/>
   </p:handoutMasterIdLst>
   <p:sldIdLst>
     <p:sldId id="256" r:id="rId2"/>
@@ -31,7 +31,8 @@
     <p:sldId id="277" r:id="rId19"/>
     <p:sldId id="278" r:id="rId20"/>
     <p:sldId id="279" r:id="rId21"/>
-    <p:sldId id="274" r:id="rId22"/>
+    <p:sldId id="280" r:id="rId22"/>
+    <p:sldId id="274" r:id="rId23"/>
   </p:sldIdLst>
   <p:sldSz cx="9144000" cy="6858000" type="screen4x3"/>
   <p:notesSz cx="6858000" cy="9144000"/>
@@ -215,7 +216,7 @@
           <a:p>
             <a:fld id="{D386AB9F-80A6-489D-AB73-016962F19EFC}" type="datetimeFigureOut">
               <a:rPr lang="zh-CN" altLang="en-US" smtClean="0"/>
-              <a:t>2015-03-29</a:t>
+              <a:t>2015/4/6</a:t>
             </a:fld>
             <a:endParaRPr lang="zh-CN" altLang="en-US"/>
           </a:p>
@@ -380,7 +381,7 @@
           <a:p>
             <a:fld id="{1334A205-5ACD-46B2-B812-BEABA6DC3512}" type="datetimeFigureOut">
               <a:rPr lang="zh-CN" altLang="en-US" smtClean="0"/>
-              <a:t>2015-03-29</a:t>
+              <a:t>2015/4/6</a:t>
             </a:fld>
             <a:endParaRPr lang="zh-CN" altLang="en-US"/>
           </a:p>
@@ -1104,7 +1105,7 @@
           <a:p>
             <a:fld id="{530820CF-B880-4189-942D-D702A7CBA730}" type="datetimeFigureOut">
               <a:rPr lang="zh-CN" altLang="en-US" smtClean="0"/>
-              <a:t>2015-03-29</a:t>
+              <a:t>2015/4/6</a:t>
             </a:fld>
             <a:endParaRPr lang="zh-CN" altLang="en-US"/>
           </a:p>
@@ -1580,7 +1581,7 @@
           <a:p>
             <a:fld id="{530820CF-B880-4189-942D-D702A7CBA730}" type="datetimeFigureOut">
               <a:rPr lang="zh-CN" altLang="en-US" smtClean="0"/>
-              <a:t>2015-03-29</a:t>
+              <a:t>2015/4/6</a:t>
             </a:fld>
             <a:endParaRPr lang="zh-CN" altLang="en-US"/>
           </a:p>
@@ -1755,7 +1756,7 @@
           <a:p>
             <a:fld id="{530820CF-B880-4189-942D-D702A7CBA730}" type="datetimeFigureOut">
               <a:rPr lang="zh-CN" altLang="en-US" smtClean="0"/>
-              <a:t>2015-03-29</a:t>
+              <a:t>2015/4/6</a:t>
             </a:fld>
             <a:endParaRPr lang="zh-CN" altLang="en-US"/>
           </a:p>
@@ -1920,7 +1921,7 @@
           <a:p>
             <a:fld id="{530820CF-B880-4189-942D-D702A7CBA730}" type="datetimeFigureOut">
               <a:rPr lang="zh-CN" altLang="en-US" smtClean="0"/>
-              <a:t>2015-03-29</a:t>
+              <a:t>2015/4/6</a:t>
             </a:fld>
             <a:endParaRPr lang="zh-CN" altLang="en-US"/>
           </a:p>
@@ -2472,7 +2473,7 @@
           <a:p>
             <a:fld id="{530820CF-B880-4189-942D-D702A7CBA730}" type="datetimeFigureOut">
               <a:rPr lang="zh-CN" altLang="en-US" smtClean="0"/>
-              <a:t>2015-03-29</a:t>
+              <a:t>2015/4/6</a:t>
             </a:fld>
             <a:endParaRPr lang="zh-CN" altLang="en-US"/>
           </a:p>
@@ -2984,7 +2985,7 @@
           <a:p>
             <a:fld id="{530820CF-B880-4189-942D-D702A7CBA730}" type="datetimeFigureOut">
               <a:rPr lang="zh-CN" altLang="en-US" smtClean="0"/>
-              <a:t>2015-03-29</a:t>
+              <a:t>2015/4/6</a:t>
             </a:fld>
             <a:endParaRPr lang="zh-CN" altLang="en-US"/>
           </a:p>
@@ -3630,7 +3631,7 @@
           <a:p>
             <a:fld id="{530820CF-B880-4189-942D-D702A7CBA730}" type="datetimeFigureOut">
               <a:rPr lang="zh-CN" altLang="en-US" smtClean="0"/>
-              <a:t>2015-03-29</a:t>
+              <a:t>2015/4/6</a:t>
             </a:fld>
             <a:endParaRPr lang="zh-CN" altLang="en-US"/>
           </a:p>
@@ -3972,7 +3973,7 @@
           <a:p>
             <a:fld id="{530820CF-B880-4189-942D-D702A7CBA730}" type="datetimeFigureOut">
               <a:rPr lang="zh-CN" altLang="en-US" smtClean="0"/>
-              <a:t>2015-03-29</a:t>
+              <a:t>2015/4/6</a:t>
             </a:fld>
             <a:endParaRPr lang="zh-CN" altLang="en-US"/>
           </a:p>
@@ -4291,7 +4292,7 @@
           <a:p>
             <a:fld id="{530820CF-B880-4189-942D-D702A7CBA730}" type="datetimeFigureOut">
               <a:rPr lang="zh-CN" altLang="en-US" smtClean="0"/>
-              <a:t>2015-03-29</a:t>
+              <a:t>2015/4/6</a:t>
             </a:fld>
             <a:endParaRPr lang="zh-CN" altLang="en-US"/>
           </a:p>
@@ -4570,7 +4571,7 @@
           <a:p>
             <a:fld id="{530820CF-B880-4189-942D-D702A7CBA730}" type="datetimeFigureOut">
               <a:rPr lang="zh-CN" altLang="en-US" smtClean="0"/>
-              <a:t>2015-03-29</a:t>
+              <a:t>2015/4/6</a:t>
             </a:fld>
             <a:endParaRPr lang="zh-CN" altLang="en-US"/>
           </a:p>
@@ -4818,7 +4819,7 @@
           <a:p>
             <a:fld id="{530820CF-B880-4189-942D-D702A7CBA730}" type="datetimeFigureOut">
               <a:rPr lang="zh-CN" altLang="en-US" smtClean="0"/>
-              <a:t>2015-03-29</a:t>
+              <a:t>2015/4/6</a:t>
             </a:fld>
             <a:endParaRPr lang="zh-CN" altLang="en-US"/>
           </a:p>
@@ -5026,7 +5027,7 @@
           <a:p>
             <a:fld id="{530820CF-B880-4189-942D-D702A7CBA730}" type="datetimeFigureOut">
               <a:rPr lang="zh-CN" altLang="en-US" smtClean="0"/>
-              <a:t>2015-03-29</a:t>
+              <a:t>2015/4/6</a:t>
             </a:fld>
             <a:endParaRPr lang="zh-CN" altLang="en-US"/>
           </a:p>
@@ -11265,17 +11266,7 @@
                 <a:latin typeface="微软雅黑" pitchFamily="34" charset="-122"/>
                 <a:ea typeface="微软雅黑" pitchFamily="34" charset="-122"/>
               </a:rPr>
-              <a:t>目前工作</a:t>
-            </a:r>
-            <a:r>
-              <a:rPr lang="zh-CN" altLang="en-US" sz="2700" b="1" dirty="0" smtClean="0">
-                <a:solidFill>
-                  <a:srgbClr val="00B0F0"/>
-                </a:solidFill>
-                <a:latin typeface="微软雅黑" pitchFamily="34" charset="-122"/>
-                <a:ea typeface="微软雅黑" pitchFamily="34" charset="-122"/>
-              </a:rPr>
-              <a:t>内容</a:t>
+              <a:t>目前工作内容</a:t>
             </a:r>
             <a:r>
               <a:rPr lang="en-US" altLang="zh-CN" sz="2700" b="1" dirty="0" smtClean="0">
@@ -11679,6 +11670,313 @@
 </file>
 
 <file path=ppt/slides/slide21.xml><?xml version="1.0" encoding="utf-8"?>
+<p:sld xmlns:a="http://schemas.openxmlformats.org/drawingml/2006/main" xmlns:r="http://schemas.openxmlformats.org/officeDocument/2006/relationships" xmlns:p="http://schemas.openxmlformats.org/presentationml/2006/main">
+  <p:cSld>
+    <p:spTree>
+      <p:nvGrpSpPr>
+        <p:cNvPr id="1" name=""/>
+        <p:cNvGrpSpPr/>
+        <p:nvPr/>
+      </p:nvGrpSpPr>
+      <p:grpSpPr>
+        <a:xfrm>
+          <a:off x="0" y="0"/>
+          <a:ext cx="0" cy="0"/>
+          <a:chOff x="0" y="0"/>
+          <a:chExt cx="0" cy="0"/>
+        </a:xfrm>
+      </p:grpSpPr>
+      <p:grpSp>
+        <p:nvGrpSpPr>
+          <p:cNvPr id="2" name="组合 1"/>
+          <p:cNvGrpSpPr/>
+          <p:nvPr/>
+        </p:nvGrpSpPr>
+        <p:grpSpPr>
+          <a:xfrm>
+            <a:off x="446899" y="450850"/>
+            <a:ext cx="8142133" cy="1123313"/>
+            <a:chOff x="457457" y="450850"/>
+            <a:chExt cx="9758106" cy="1123313"/>
+          </a:xfrm>
+        </p:grpSpPr>
+        <p:sp>
+          <p:nvSpPr>
+            <p:cNvPr id="13" name="标题 1"/>
+            <p:cNvSpPr txBox="1">
+              <a:spLocks/>
+            </p:cNvSpPr>
+            <p:nvPr/>
+          </p:nvSpPr>
+          <p:spPr>
+            <a:xfrm>
+              <a:off x="495300" y="450850"/>
+              <a:ext cx="9720263" cy="569913"/>
+            </a:xfrm>
+            <a:prstGeom prst="rect">
+              <a:avLst/>
+            </a:prstGeom>
+            <a:ln w="6350">
+              <a:noFill/>
+            </a:ln>
+          </p:spPr>
+          <p:txBody>
+            <a:bodyPr lIns="102870" tIns="51435" rIns="102870" bIns="51435" anchor="ctr">
+              <a:normAutofit/>
+            </a:bodyPr>
+            <a:lstStyle>
+              <a:lvl1pPr algn="l" defTabSz="1028700" rtl="0" eaLnBrk="1" latinLnBrk="0" hangingPunct="1">
+                <a:spcBef>
+                  <a:spcPct val="0"/>
+                </a:spcBef>
+                <a:buNone/>
+                <a:defRPr sz="2700" b="1" kern="1200">
+                  <a:solidFill>
+                    <a:srgbClr val="00B0F0"/>
+                  </a:solidFill>
+                  <a:latin typeface="微软雅黑" pitchFamily="34" charset="-122"/>
+                  <a:ea typeface="微软雅黑" pitchFamily="34" charset="-122"/>
+                  <a:cs typeface="+mj-cs"/>
+                </a:defRPr>
+              </a:lvl1pPr>
+            </a:lstStyle>
+            <a:p>
+              <a:pPr fontAlgn="auto">
+                <a:spcAft>
+                  <a:spcPts val="0"/>
+                </a:spcAft>
+                <a:tabLst>
+                  <a:tab pos="5294313" algn="l"/>
+                </a:tabLst>
+                <a:defRPr/>
+              </a:pPr>
+              <a:r>
+                <a:rPr lang="en-US" altLang="zh-CN" dirty="0"/>
+                <a:t>Parser</a:t>
+              </a:r>
+              <a:r>
+                <a:rPr lang="zh-CN" altLang="en-US" dirty="0" smtClean="0"/>
+                <a:t>过程</a:t>
+              </a:r>
+              <a:r>
+                <a:rPr lang="zh-CN" altLang="en-US" dirty="0" smtClean="0"/>
+                <a:t>疑难点</a:t>
+              </a:r>
+              <a:endParaRPr lang="en-US" altLang="zh-CN" dirty="0">
+                <a:solidFill>
+                  <a:schemeClr val="tx1">
+                    <a:lumMod val="50000"/>
+                    <a:lumOff val="50000"/>
+                  </a:schemeClr>
+                </a:solidFill>
+              </a:endParaRPr>
+            </a:p>
+          </p:txBody>
+        </p:sp>
+        <p:sp>
+          <p:nvSpPr>
+            <p:cNvPr id="21" name="矩形 9"/>
+            <p:cNvSpPr>
+              <a:spLocks noChangeArrowheads="1"/>
+            </p:cNvSpPr>
+            <p:nvPr/>
+          </p:nvSpPr>
+          <p:spPr bwMode="auto">
+            <a:xfrm>
+              <a:off x="457457" y="1196752"/>
+              <a:ext cx="9359901" cy="377411"/>
+            </a:xfrm>
+            <a:prstGeom prst="rect">
+              <a:avLst/>
+            </a:prstGeom>
+            <a:noFill/>
+            <a:ln>
+              <a:noFill/>
+            </a:ln>
+            <a:extLst>
+              <a:ext uri="{909E8E84-426E-40DD-AFC4-6F175D3DCCD1}">
+                <a14:hiddenFill xmlns:a14="http://schemas.microsoft.com/office/drawing/2010/main">
+                  <a:solidFill>
+                    <a:srgbClr val="FFFFFF"/>
+                  </a:solidFill>
+                </a14:hiddenFill>
+              </a:ext>
+              <a:ext uri="{91240B29-F687-4F45-9708-019B960494DF}">
+                <a14:hiddenLine xmlns:a14="http://schemas.microsoft.com/office/drawing/2010/main" w="9525">
+                  <a:solidFill>
+                    <a:srgbClr val="000000"/>
+                  </a:solidFill>
+                  <a:miter lim="800000"/>
+                  <a:headEnd/>
+                  <a:tailEnd/>
+                </a14:hiddenLine>
+              </a:ext>
+            </a:extLst>
+          </p:spPr>
+          <p:txBody>
+            <a:bodyPr>
+              <a:spAutoFit/>
+            </a:bodyPr>
+            <a:lstStyle/>
+            <a:p>
+              <a:pPr>
+                <a:lnSpc>
+                  <a:spcPct val="150000"/>
+                </a:lnSpc>
+              </a:pPr>
+              <a:endParaRPr lang="zh-CN" altLang="en-US" sz="1400" dirty="0">
+                <a:latin typeface="微软雅黑" pitchFamily="34" charset="-122"/>
+                <a:ea typeface="微软雅黑" pitchFamily="34" charset="-122"/>
+              </a:endParaRPr>
+            </a:p>
+          </p:txBody>
+        </p:sp>
+      </p:grpSp>
+      <p:sp>
+        <p:nvSpPr>
+          <p:cNvPr id="5" name="TextBox 4"/>
+          <p:cNvSpPr txBox="1"/>
+          <p:nvPr/>
+        </p:nvSpPr>
+        <p:spPr>
+          <a:xfrm>
+            <a:off x="179512" y="1209138"/>
+            <a:ext cx="4981081" cy="3636885"/>
+          </a:xfrm>
+          <a:prstGeom prst="rect">
+            <a:avLst/>
+          </a:prstGeom>
+          <a:noFill/>
+        </p:spPr>
+        <p:txBody>
+          <a:bodyPr wrap="square" lIns="81272" tIns="40636" rIns="81272" bIns="40636" rtlCol="0">
+            <a:spAutoFit/>
+          </a:bodyPr>
+          <a:lstStyle>
+            <a:defPPr>
+              <a:defRPr lang="zh-CN"/>
+            </a:defPPr>
+            <a:lvl1pPr>
+              <a:lnSpc>
+                <a:spcPct val="150000"/>
+              </a:lnSpc>
+              <a:defRPr sz="1800">
+                <a:latin typeface="幼圆" pitchFamily="49" charset="-122"/>
+                <a:ea typeface="幼圆" pitchFamily="49" charset="-122"/>
+              </a:defRPr>
+            </a:lvl1pPr>
+          </a:lstStyle>
+          <a:p>
+            <a:endParaRPr lang="en-US" altLang="zh-CN" sz="1400" b="1" dirty="0" smtClean="0">
+              <a:solidFill>
+                <a:srgbClr val="00B0F0"/>
+              </a:solidFill>
+            </a:endParaRPr>
+          </a:p>
+          <a:p>
+            <a:r>
+              <a:rPr lang="en-US" altLang="zh-CN" sz="1400" b="1" dirty="0" smtClean="0">
+                <a:solidFill>
+                  <a:srgbClr val="00B0F0"/>
+                </a:solidFill>
+              </a:rPr>
+              <a:t>        </a:t>
+            </a:r>
+          </a:p>
+          <a:p>
+            <a:endParaRPr lang="en-US" altLang="zh-CN" sz="1400" b="1" dirty="0">
+              <a:solidFill>
+                <a:srgbClr val="00B0F0"/>
+              </a:solidFill>
+            </a:endParaRPr>
+          </a:p>
+          <a:p>
+            <a:endParaRPr lang="en-US" altLang="zh-CN" sz="1400" b="1" dirty="0" smtClean="0">
+              <a:solidFill>
+                <a:srgbClr val="00B0F0"/>
+              </a:solidFill>
+            </a:endParaRPr>
+          </a:p>
+          <a:p>
+            <a:endParaRPr lang="en-US" altLang="zh-CN" sz="1400" b="1" dirty="0">
+              <a:solidFill>
+                <a:srgbClr val="00B0F0"/>
+              </a:solidFill>
+            </a:endParaRPr>
+          </a:p>
+          <a:p>
+            <a:endParaRPr lang="en-US" altLang="zh-CN" sz="1400" b="1" dirty="0" smtClean="0">
+              <a:solidFill>
+                <a:srgbClr val="00B0F0"/>
+              </a:solidFill>
+            </a:endParaRPr>
+          </a:p>
+          <a:p>
+            <a:endParaRPr lang="en-US" altLang="zh-CN" sz="1400" b="1" dirty="0">
+              <a:solidFill>
+                <a:srgbClr val="00B0F0"/>
+              </a:solidFill>
+            </a:endParaRPr>
+          </a:p>
+          <a:p>
+            <a:endParaRPr lang="en-US" altLang="zh-CN" sz="1400" b="1" dirty="0" smtClean="0">
+              <a:solidFill>
+                <a:srgbClr val="00B0F0"/>
+              </a:solidFill>
+            </a:endParaRPr>
+          </a:p>
+          <a:p>
+            <a:endParaRPr lang="en-US" altLang="zh-CN" sz="1400" b="1" dirty="0">
+              <a:solidFill>
+                <a:srgbClr val="00B0F0"/>
+              </a:solidFill>
+            </a:endParaRPr>
+          </a:p>
+          <a:p>
+            <a:endParaRPr lang="en-US" altLang="zh-CN" sz="1400" b="1" dirty="0">
+              <a:solidFill>
+                <a:srgbClr val="00B0F0"/>
+              </a:solidFill>
+            </a:endParaRPr>
+          </a:p>
+          <a:p>
+            <a:r>
+              <a:rPr lang="en-US" altLang="zh-CN" sz="1400" b="1" dirty="0" smtClean="0">
+                <a:solidFill>
+                  <a:srgbClr val="00B0F0"/>
+                </a:solidFill>
+              </a:rPr>
+              <a:t>    </a:t>
+            </a:r>
+            <a:endParaRPr lang="zh-CN" altLang="en-US" sz="1400" b="1" dirty="0">
+              <a:solidFill>
+                <a:srgbClr val="00B0F0"/>
+              </a:solidFill>
+            </a:endParaRPr>
+          </a:p>
+        </p:txBody>
+      </p:sp>
+    </p:spTree>
+    <p:extLst>
+      <p:ext uri="{BB962C8B-B14F-4D97-AF65-F5344CB8AC3E}">
+        <p14:creationId xmlns:p14="http://schemas.microsoft.com/office/powerpoint/2010/main" val="4260061345"/>
+      </p:ext>
+    </p:extLst>
+  </p:cSld>
+  <p:clrMapOvr>
+    <a:masterClrMapping/>
+  </p:clrMapOvr>
+  <p:timing>
+    <p:tnLst>
+      <p:par>
+        <p:cTn id="1" dur="indefinite" restart="never" nodeType="tmRoot"/>
+      </p:par>
+    </p:tnLst>
+  </p:timing>
+</p:sld>
+</file>
+
+<file path=ppt/slides/slide22.xml><?xml version="1.0" encoding="utf-8"?>
 <p:sld xmlns:a="http://schemas.openxmlformats.org/drawingml/2006/main" xmlns:r="http://schemas.openxmlformats.org/officeDocument/2006/relationships" xmlns:p="http://schemas.openxmlformats.org/presentationml/2006/main">
   <p:cSld>
     <p:spTree>
